--- a/doc/Presentation_to_Anika01.pptx
+++ b/doc/Presentation_to_Anika01.pptx
@@ -35424,41 +35424,41 @@
           </a:p>
         </p:txBody>
       </p:sp>
-      <p:sp>
-        <p:nvSpPr>
-          <p:cNvPr id="3" name="Content Placeholder 2">
+      <p:pic>
+        <p:nvPicPr>
+          <p:cNvPr id="7" name="Content Placeholder 6">
             <a:extLst>
               <a:ext uri="{FF2B5EF4-FFF2-40B4-BE49-F238E27FC236}">
-                <a16:creationId xmlns:a16="http://schemas.microsoft.com/office/drawing/2014/main" id="{D62C8AD1-D5F3-40D2-8AEF-5B7A3E8C3333}"/>
+                <a16:creationId xmlns:a16="http://schemas.microsoft.com/office/drawing/2014/main" id="{7D1D4B2E-DBBF-46F4-9BEA-A57DDF8B2A78}"/>
               </a:ext>
             </a:extLst>
           </p:cNvPr>
-          <p:cNvSpPr>
-            <a:spLocks noGrp="1"/>
-          </p:cNvSpPr>
+          <p:cNvPicPr>
+            <a:picLocks noGrp="1" noChangeAspect="1"/>
+          </p:cNvPicPr>
           <p:nvPr>
             <p:ph idx="1"/>
           </p:nvPr>
-        </p:nvSpPr>
-        <p:spPr/>
-        <p:txBody>
-          <a:bodyPr/>
-          <a:lstStyle/>
-          <a:p>
-            <a:r>
-              <a:rPr lang="en-US" dirty="0"/>
-              <a:t>TODO – Insert Graph from page 4 of </a:t>
-            </a:r>
-            <a:r>
-              <a:rPr lang="en-US" dirty="0">
-                <a:hlinkClick r:id="rId2"/>
-              </a:rPr>
-              <a:t>https://bmcbioinformatics.biomedcentral.com/track/pdf/10.1186/1471-2105-14-S15-S11</a:t>
-            </a:r>
-            <a:endParaRPr lang="en-US" dirty="0"/>
-          </a:p>
-        </p:txBody>
-      </p:sp>
+        </p:nvPicPr>
+        <p:blipFill>
+          <a:blip r:embed="rId2">
+            <a:extLst>
+              <a:ext uri="{28A0092B-C50C-407E-A947-70E740481C1C}">
+                <a14:useLocalDpi xmlns:a14="http://schemas.microsoft.com/office/drawing/2010/main" val="0"/>
+              </a:ext>
+            </a:extLst>
+          </a:blip>
+          <a:stretch>
+            <a:fillRect/>
+          </a:stretch>
+        </p:blipFill>
+        <p:spPr>
+          <a:xfrm>
+            <a:off x="3509319" y="0"/>
+            <a:ext cx="6128951" cy="6801422"/>
+          </a:xfrm>
+        </p:spPr>
+      </p:pic>
     </p:spTree>
     <p:extLst>
       <p:ext uri="{BB962C8B-B14F-4D97-AF65-F5344CB8AC3E}">
